--- a/PresentacionSummary.pptx
+++ b/PresentacionSummary.pptx
@@ -840,7 +840,7 @@
           <a:p>
             <a:fld id="{8443D224-D653-4D35-A713-662148E5D335}" type="datetimeFigureOut">
               <a:rPr lang="es-CO" smtClean="0"/>
-              <a:t>4/09/2016</a:t>
+              <a:t>5/09/2016</a:t>
             </a:fld>
             <a:endParaRPr lang="es-CO"/>
           </a:p>
@@ -1091,7 +1091,7 @@
           <a:p>
             <a:fld id="{8443D224-D653-4D35-A713-662148E5D335}" type="datetimeFigureOut">
               <a:rPr lang="es-CO" smtClean="0"/>
-              <a:t>4/09/2016</a:t>
+              <a:t>5/09/2016</a:t>
             </a:fld>
             <a:endParaRPr lang="es-CO"/>
           </a:p>
@@ -1405,7 +1405,7 @@
           <a:p>
             <a:fld id="{8443D224-D653-4D35-A713-662148E5D335}" type="datetimeFigureOut">
               <a:rPr lang="es-CO" smtClean="0"/>
-              <a:t>4/09/2016</a:t>
+              <a:t>5/09/2016</a:t>
             </a:fld>
             <a:endParaRPr lang="es-CO"/>
           </a:p>
@@ -1746,7 +1746,7 @@
           <a:p>
             <a:fld id="{8443D224-D653-4D35-A713-662148E5D335}" type="datetimeFigureOut">
               <a:rPr lang="es-CO" smtClean="0"/>
-              <a:t>4/09/2016</a:t>
+              <a:t>5/09/2016</a:t>
             </a:fld>
             <a:endParaRPr lang="es-CO"/>
           </a:p>
@@ -2060,7 +2060,7 @@
           <a:p>
             <a:fld id="{8443D224-D653-4D35-A713-662148E5D335}" type="datetimeFigureOut">
               <a:rPr lang="es-CO" smtClean="0"/>
-              <a:t>4/09/2016</a:t>
+              <a:t>5/09/2016</a:t>
             </a:fld>
             <a:endParaRPr lang="es-CO"/>
           </a:p>
@@ -2453,7 +2453,7 @@
           <a:p>
             <a:fld id="{8443D224-D653-4D35-A713-662148E5D335}" type="datetimeFigureOut">
               <a:rPr lang="es-CO" smtClean="0"/>
-              <a:t>4/09/2016</a:t>
+              <a:t>5/09/2016</a:t>
             </a:fld>
             <a:endParaRPr lang="es-CO"/>
           </a:p>
@@ -2623,7 +2623,7 @@
           <a:p>
             <a:fld id="{8443D224-D653-4D35-A713-662148E5D335}" type="datetimeFigureOut">
               <a:rPr lang="es-CO" smtClean="0"/>
-              <a:t>4/09/2016</a:t>
+              <a:t>5/09/2016</a:t>
             </a:fld>
             <a:endParaRPr lang="es-CO"/>
           </a:p>
@@ -2803,7 +2803,7 @@
           <a:p>
             <a:fld id="{8443D224-D653-4D35-A713-662148E5D335}" type="datetimeFigureOut">
               <a:rPr lang="es-CO" smtClean="0"/>
-              <a:t>4/09/2016</a:t>
+              <a:t>5/09/2016</a:t>
             </a:fld>
             <a:endParaRPr lang="es-CO"/>
           </a:p>
@@ -2979,7 +2979,7 @@
           <a:p>
             <a:fld id="{8443D224-D653-4D35-A713-662148E5D335}" type="datetimeFigureOut">
               <a:rPr lang="es-CO" smtClean="0"/>
-              <a:t>4/09/2016</a:t>
+              <a:t>5/09/2016</a:t>
             </a:fld>
             <a:endParaRPr lang="es-CO"/>
           </a:p>
@@ -3226,7 +3226,7 @@
           <a:p>
             <a:fld id="{8443D224-D653-4D35-A713-662148E5D335}" type="datetimeFigureOut">
               <a:rPr lang="es-CO" smtClean="0"/>
-              <a:t>4/09/2016</a:t>
+              <a:t>5/09/2016</a:t>
             </a:fld>
             <a:endParaRPr lang="es-CO"/>
           </a:p>
@@ -3458,7 +3458,7 @@
           <a:p>
             <a:fld id="{8443D224-D653-4D35-A713-662148E5D335}" type="datetimeFigureOut">
               <a:rPr lang="es-CO" smtClean="0"/>
-              <a:t>4/09/2016</a:t>
+              <a:t>5/09/2016</a:t>
             </a:fld>
             <a:endParaRPr lang="es-CO"/>
           </a:p>
@@ -3832,7 +3832,7 @@
           <a:p>
             <a:fld id="{8443D224-D653-4D35-A713-662148E5D335}" type="datetimeFigureOut">
               <a:rPr lang="es-CO" smtClean="0"/>
-              <a:t>4/09/2016</a:t>
+              <a:t>5/09/2016</a:t>
             </a:fld>
             <a:endParaRPr lang="es-CO"/>
           </a:p>
@@ -3955,7 +3955,7 @@
           <a:p>
             <a:fld id="{8443D224-D653-4D35-A713-662148E5D335}" type="datetimeFigureOut">
               <a:rPr lang="es-CO" smtClean="0"/>
-              <a:t>4/09/2016</a:t>
+              <a:t>5/09/2016</a:t>
             </a:fld>
             <a:endParaRPr lang="es-CO"/>
           </a:p>
@@ -4050,7 +4050,7 @@
           <a:p>
             <a:fld id="{8443D224-D653-4D35-A713-662148E5D335}" type="datetimeFigureOut">
               <a:rPr lang="es-CO" smtClean="0"/>
-              <a:t>4/09/2016</a:t>
+              <a:t>5/09/2016</a:t>
             </a:fld>
             <a:endParaRPr lang="es-CO"/>
           </a:p>
@@ -4305,7 +4305,7 @@
           <a:p>
             <a:fld id="{8443D224-D653-4D35-A713-662148E5D335}" type="datetimeFigureOut">
               <a:rPr lang="es-CO" smtClean="0"/>
-              <a:t>4/09/2016</a:t>
+              <a:t>5/09/2016</a:t>
             </a:fld>
             <a:endParaRPr lang="es-CO"/>
           </a:p>
@@ -4568,7 +4568,7 @@
           <a:p>
             <a:fld id="{8443D224-D653-4D35-A713-662148E5D335}" type="datetimeFigureOut">
               <a:rPr lang="es-CO" smtClean="0"/>
-              <a:t>4/09/2016</a:t>
+              <a:t>5/09/2016</a:t>
             </a:fld>
             <a:endParaRPr lang="es-CO"/>
           </a:p>
@@ -5311,7 +5311,7 @@
           <a:p>
             <a:fld id="{8443D224-D653-4D35-A713-662148E5D335}" type="datetimeFigureOut">
               <a:rPr lang="es-CO" smtClean="0"/>
-              <a:t>4/09/2016</a:t>
+              <a:t>5/09/2016</a:t>
             </a:fld>
             <a:endParaRPr lang="es-CO"/>
           </a:p>
@@ -8324,7 +8324,7 @@
         </p:nvSpPr>
         <p:spPr>
           <a:xfrm>
-            <a:off x="671135" y="4259547"/>
+            <a:off x="677334" y="4246745"/>
             <a:ext cx="2069797" cy="369332"/>
           </a:xfrm>
           <a:prstGeom prst="rect">
